--- a/Diagrams/Beetle32_Pinout.pptx
+++ b/Diagrams/Beetle32_Pinout.pptx
@@ -116,6 +116,9 @@
         </p14:section>
       </p14:sectionLst>
     </p:ext>
+    <p:ext uri="{EFAFB233-063F-42B5-8137-9DF3F51BA10A}">
+      <p15:sldGuideLst xmlns:p15="http://schemas.microsoft.com/office/powerpoint/2012/main"/>
+    </p:ext>
   </p:extLst>
 </p:presentation>
 </file>
@@ -267,7 +270,7 @@
           <a:p>
             <a:fld id="{E167426E-175C-4A8E-B4BB-3859C7504C44}" type="datetimeFigureOut">
               <a:rPr lang="en-US" smtClean="0"/>
-              <a:t>2/18/2021</a:t>
+              <a:t>2/25/2021</a:t>
             </a:fld>
             <a:endParaRPr lang="en-US"/>
           </a:p>
@@ -465,7 +468,7 @@
           <a:p>
             <a:fld id="{E167426E-175C-4A8E-B4BB-3859C7504C44}" type="datetimeFigureOut">
               <a:rPr lang="en-US" smtClean="0"/>
-              <a:t>2/18/2021</a:t>
+              <a:t>2/25/2021</a:t>
             </a:fld>
             <a:endParaRPr lang="en-US"/>
           </a:p>
@@ -673,7 +676,7 @@
           <a:p>
             <a:fld id="{E167426E-175C-4A8E-B4BB-3859C7504C44}" type="datetimeFigureOut">
               <a:rPr lang="en-US" smtClean="0"/>
-              <a:t>2/18/2021</a:t>
+              <a:t>2/25/2021</a:t>
             </a:fld>
             <a:endParaRPr lang="en-US"/>
           </a:p>
@@ -871,7 +874,7 @@
           <a:p>
             <a:fld id="{E167426E-175C-4A8E-B4BB-3859C7504C44}" type="datetimeFigureOut">
               <a:rPr lang="en-US" smtClean="0"/>
-              <a:t>2/18/2021</a:t>
+              <a:t>2/25/2021</a:t>
             </a:fld>
             <a:endParaRPr lang="en-US"/>
           </a:p>
@@ -1146,7 +1149,7 @@
           <a:p>
             <a:fld id="{E167426E-175C-4A8E-B4BB-3859C7504C44}" type="datetimeFigureOut">
               <a:rPr lang="en-US" smtClean="0"/>
-              <a:t>2/18/2021</a:t>
+              <a:t>2/25/2021</a:t>
             </a:fld>
             <a:endParaRPr lang="en-US"/>
           </a:p>
@@ -1411,7 +1414,7 @@
           <a:p>
             <a:fld id="{E167426E-175C-4A8E-B4BB-3859C7504C44}" type="datetimeFigureOut">
               <a:rPr lang="en-US" smtClean="0"/>
-              <a:t>2/18/2021</a:t>
+              <a:t>2/25/2021</a:t>
             </a:fld>
             <a:endParaRPr lang="en-US"/>
           </a:p>
@@ -1823,7 +1826,7 @@
           <a:p>
             <a:fld id="{E167426E-175C-4A8E-B4BB-3859C7504C44}" type="datetimeFigureOut">
               <a:rPr lang="en-US" smtClean="0"/>
-              <a:t>2/18/2021</a:t>
+              <a:t>2/25/2021</a:t>
             </a:fld>
             <a:endParaRPr lang="en-US"/>
           </a:p>
@@ -1964,7 +1967,7 @@
           <a:p>
             <a:fld id="{E167426E-175C-4A8E-B4BB-3859C7504C44}" type="datetimeFigureOut">
               <a:rPr lang="en-US" smtClean="0"/>
-              <a:t>2/18/2021</a:t>
+              <a:t>2/25/2021</a:t>
             </a:fld>
             <a:endParaRPr lang="en-US"/>
           </a:p>
@@ -2077,7 +2080,7 @@
           <a:p>
             <a:fld id="{E167426E-175C-4A8E-B4BB-3859C7504C44}" type="datetimeFigureOut">
               <a:rPr lang="en-US" smtClean="0"/>
-              <a:t>2/18/2021</a:t>
+              <a:t>2/25/2021</a:t>
             </a:fld>
             <a:endParaRPr lang="en-US"/>
           </a:p>
@@ -2388,7 +2391,7 @@
           <a:p>
             <a:fld id="{E167426E-175C-4A8E-B4BB-3859C7504C44}" type="datetimeFigureOut">
               <a:rPr lang="en-US" smtClean="0"/>
-              <a:t>2/18/2021</a:t>
+              <a:t>2/25/2021</a:t>
             </a:fld>
             <a:endParaRPr lang="en-US"/>
           </a:p>
@@ -2676,7 +2679,7 @@
           <a:p>
             <a:fld id="{E167426E-175C-4A8E-B4BB-3859C7504C44}" type="datetimeFigureOut">
               <a:rPr lang="en-US" smtClean="0"/>
-              <a:t>2/18/2021</a:t>
+              <a:t>2/25/2021</a:t>
             </a:fld>
             <a:endParaRPr lang="en-US"/>
           </a:p>
@@ -2917,7 +2920,7 @@
           <a:p>
             <a:fld id="{E167426E-175C-4A8E-B4BB-3859C7504C44}" type="datetimeFigureOut">
               <a:rPr lang="en-US" smtClean="0"/>
-              <a:t>2/18/2021</a:t>
+              <a:t>2/25/2021</a:t>
             </a:fld>
             <a:endParaRPr lang="en-US"/>
           </a:p>
@@ -4315,6 +4318,41 @@
           </a:p>
         </p:txBody>
       </p:sp>
+      <p:sp>
+        <p:nvSpPr>
+          <p:cNvPr id="2" name="TextBox 1">
+            <a:extLst>
+              <a:ext uri="{FF2B5EF4-FFF2-40B4-BE49-F238E27FC236}">
+                <a16:creationId xmlns:a16="http://schemas.microsoft.com/office/drawing/2014/main" id="{B53650F0-FA11-491C-9948-B744EF9BDC31}"/>
+              </a:ext>
+            </a:extLst>
+          </p:cNvPr>
+          <p:cNvSpPr txBox="1"/>
+          <p:nvPr/>
+        </p:nvSpPr>
+        <p:spPr>
+          <a:xfrm>
+            <a:off x="111283" y="286571"/>
+            <a:ext cx="1756611" cy="369332"/>
+          </a:xfrm>
+          <a:prstGeom prst="rect">
+            <a:avLst/>
+          </a:prstGeom>
+          <a:noFill/>
+        </p:spPr>
+        <p:txBody>
+          <a:bodyPr wrap="square" rtlCol="0">
+            <a:spAutoFit/>
+          </a:bodyPr>
+          <a:lstStyle/>
+          <a:p>
+            <a:r>
+              <a:rPr lang="en-US" dirty="0"/>
+              <a:t>LED: GPIO 2</a:t>
+            </a:r>
+          </a:p>
+        </p:txBody>
+      </p:sp>
     </p:spTree>
     <p:extLst>
       <p:ext uri="{BB962C8B-B14F-4D97-AF65-F5344CB8AC3E}">
